--- a/v.haponov/Presentation/Valentyn_Haponov _presentation.pptx
+++ b/v.haponov/Presentation/Valentyn_Haponov _presentation.pptx
@@ -3769,49 +3769,37 @@
           <a:lstStyle/>
           <a:p>
             <a:r>
-              <a:rPr lang="uk-UA">
+              <a:rPr lang="uk-UA" dirty="0">
                 <a:cs typeface="Calibri"/>
               </a:rPr>
-              <a:t>Створена модель </a:t>
-            </a:r>
-            <a:r>
-              <a:rPr lang="uk-UA" err="1">
-                <a:cs typeface="Calibri"/>
-              </a:rPr>
-              <a:t>нейтронно</a:t>
-            </a:r>
-            <a:r>
-              <a:rPr lang="uk-UA">
-                <a:cs typeface="Calibri"/>
-              </a:rPr>
-              <a:t>-активаційного аналізу </a:t>
-            </a:r>
-            <a:endParaRPr lang="uk-UA"/>
-          </a:p>
-          <a:p>
-            <a:r>
-              <a:rPr lang="uk-UA">
+              <a:t>Створена модель нейтронно-активаційного аналізу </a:t>
+            </a:r>
+            <a:endParaRPr lang="uk-UA" dirty="0"/>
+          </a:p>
+          <a:p>
+            <a:r>
+              <a:rPr lang="uk-UA" dirty="0">
                 <a:cs typeface="Calibri"/>
               </a:rPr>
               <a:t>Оптимізація коду моделі пришвидшення розрахунків у 16разів</a:t>
             </a:r>
-            <a:endParaRPr lang="uk-UA"/>
-          </a:p>
-          <a:p>
-            <a:r>
-              <a:rPr lang="uk-UA">
+            <a:endParaRPr lang="uk-UA" dirty="0"/>
+          </a:p>
+          <a:p>
+            <a:r>
+              <a:rPr lang="uk-UA" dirty="0">
                 <a:cs typeface="Calibri"/>
               </a:rPr>
               <a:t>Перевірка коректності створеної моделі (</a:t>
             </a:r>
             <a:r>
-              <a:rPr lang="uk-UA" err="1">
+              <a:rPr lang="uk-UA" dirty="0" err="1">
                 <a:cs typeface="Calibri"/>
               </a:rPr>
               <a:t>валідація</a:t>
             </a:r>
             <a:r>
-              <a:rPr lang="uk-UA">
+              <a:rPr lang="uk-UA" dirty="0">
                 <a:cs typeface="Calibri"/>
               </a:rPr>
               <a:t>)</a:t>
@@ -3819,92 +3807,92 @@
           </a:p>
           <a:p>
             <a:r>
-              <a:rPr lang="uk-UA"/>
+              <a:rPr lang="uk-UA" dirty="0"/>
               <a:t>Змодельовані спектри:                  ,               , збідненого урану та проаналізований спектр для                    (</a:t>
             </a:r>
             <a:r>
-              <a:rPr lang="uk-UA" err="1"/>
+              <a:rPr lang="uk-UA" dirty="0" err="1"/>
               <a:t>ютенбогардит</a:t>
             </a:r>
             <a:r>
-              <a:rPr lang="uk-UA"/>
+              <a:rPr lang="uk-UA" dirty="0"/>
               <a:t>)</a:t>
             </a:r>
-            <a:endParaRPr lang="uk-UA">
+            <a:endParaRPr lang="uk-UA" dirty="0">
               <a:cs typeface="Calibri"/>
             </a:endParaRPr>
           </a:p>
           <a:p>
             <a:r>
-              <a:rPr lang="uk-UA">
+              <a:rPr lang="uk-UA" dirty="0">
                 <a:cs typeface="Calibri"/>
               </a:rPr>
               <a:t>Змодельовані спектри за різних енергій нейтронів</a:t>
             </a:r>
-            <a:endParaRPr lang="uk-UA"/>
-          </a:p>
-          <a:p>
-            <a:r>
-              <a:rPr lang="ru-RU" err="1"/>
+            <a:endParaRPr lang="uk-UA" dirty="0"/>
+          </a:p>
+          <a:p>
+            <a:r>
+              <a:rPr lang="ru-RU" dirty="0" err="1"/>
               <a:t>Оцінена</a:t>
             </a:r>
             <a:r>
-              <a:rPr lang="ru-RU"/>
+              <a:rPr lang="ru-RU" dirty="0"/>
               <a:t> </a:t>
             </a:r>
             <a:r>
-              <a:rPr lang="ru-RU" err="1"/>
+              <a:rPr lang="ru-RU" dirty="0" err="1"/>
               <a:t>мінімально</a:t>
             </a:r>
             <a:r>
-              <a:rPr lang="ru-RU"/>
+              <a:rPr lang="ru-RU" dirty="0"/>
               <a:t> </a:t>
             </a:r>
             <a:r>
-              <a:rPr lang="ru-RU" err="1"/>
+              <a:rPr lang="ru-RU" dirty="0" err="1"/>
               <a:t>необхідна</a:t>
             </a:r>
             <a:r>
-              <a:rPr lang="ru-RU"/>
+              <a:rPr lang="ru-RU" dirty="0"/>
               <a:t> </a:t>
             </a:r>
             <a:r>
-              <a:rPr lang="ru-RU" err="1"/>
+              <a:rPr lang="ru-RU" dirty="0" err="1"/>
               <a:t>маса</a:t>
             </a:r>
             <a:r>
-              <a:rPr lang="ru-RU"/>
+              <a:rPr lang="ru-RU" dirty="0"/>
               <a:t> </a:t>
             </a:r>
             <a:r>
-              <a:rPr lang="ru-RU" err="1"/>
+              <a:rPr lang="ru-RU" dirty="0" err="1"/>
               <a:t>елементу</a:t>
             </a:r>
             <a:r>
-              <a:rPr lang="ru-RU"/>
+              <a:rPr lang="ru-RU" dirty="0"/>
               <a:t> в </a:t>
             </a:r>
             <a:r>
-              <a:rPr lang="ru-RU" err="1"/>
+              <a:rPr lang="ru-RU" dirty="0" err="1"/>
               <a:t>речовині</a:t>
             </a:r>
             <a:r>
-              <a:rPr lang="ru-RU"/>
+              <a:rPr lang="ru-RU" dirty="0"/>
               <a:t> для </a:t>
             </a:r>
             <a:r>
-              <a:rPr lang="ru-RU" err="1"/>
+              <a:rPr lang="ru-RU" dirty="0" err="1"/>
               <a:t>можливості</a:t>
             </a:r>
             <a:r>
-              <a:rPr lang="ru-RU"/>
+              <a:rPr lang="ru-RU" dirty="0"/>
               <a:t> </a:t>
             </a:r>
             <a:r>
-              <a:rPr lang="ru-RU" err="1"/>
+              <a:rPr lang="ru-RU" dirty="0" err="1"/>
               <a:t>детектування</a:t>
             </a:r>
-            <a:endParaRPr lang="ru-RU"/>
+            <a:endParaRPr lang="ru-RU" dirty="0"/>
           </a:p>
         </p:txBody>
       </p:sp>
@@ -4362,130 +4350,131 @@
           <a:lstStyle/>
           <a:p>
             <a:r>
-              <a:rPr lang="uk-UA"/>
+              <a:rPr lang="uk-UA" dirty="0"/>
               <a:t>Постановка задачі </a:t>
             </a:r>
-            <a:endParaRPr lang="ru-RU"/>
-          </a:p>
-          <a:p>
-            <a:r>
-              <a:rPr lang="ru-RU" err="1"/>
+            <a:endParaRPr lang="ru-RU" dirty="0"/>
+          </a:p>
+          <a:p>
+            <a:r>
+              <a:rPr lang="ru-RU" dirty="0" err="1"/>
               <a:t>Архітектура</a:t>
             </a:r>
             <a:r>
-              <a:rPr lang="ru-RU"/>
+              <a:rPr lang="ru-RU" dirty="0"/>
               <a:t> коду </a:t>
             </a:r>
             <a:r>
-              <a:rPr lang="ru-RU" err="1"/>
+              <a:rPr lang="ru-RU" dirty="0" err="1"/>
               <a:t>моделі</a:t>
             </a:r>
-            <a:endParaRPr lang="ru-RU">
+            <a:endParaRPr lang="ru-RU" dirty="0">
               <a:cs typeface="Calibri"/>
             </a:endParaRPr>
           </a:p>
           <a:p>
             <a:r>
-              <a:rPr lang="ru-RU" err="1"/>
+              <a:rPr lang="ru-RU" dirty="0" err="1"/>
               <a:t>Геометрія</a:t>
             </a:r>
             <a:r>
-              <a:rPr lang="ru-RU"/>
+              <a:rPr lang="ru-RU" dirty="0"/>
               <a:t> </a:t>
             </a:r>
             <a:r>
-              <a:rPr lang="ru-RU" err="1"/>
-              <a:t>Моделі</a:t>
-            </a:r>
-            <a:r>
-              <a:rPr lang="ru-RU"/>
+              <a:rPr lang="ru-RU" dirty="0" err="1"/>
+              <a:t>моделі</a:t>
+            </a:r>
+            <a:r>
+              <a:rPr lang="ru-RU" dirty="0"/>
               <a:t> та </a:t>
             </a:r>
             <a:r>
-              <a:rPr lang="ru-RU" err="1"/>
+              <a:rPr lang="ru-RU" dirty="0" err="1"/>
               <a:t>захисту</a:t>
             </a:r>
             <a:r>
-              <a:rPr lang="ru-RU"/>
+              <a:rPr lang="ru-RU" dirty="0"/>
               <a:t> детектора</a:t>
             </a:r>
-            <a:endParaRPr lang="ru-RU">
+            <a:endParaRPr lang="ru-RU" dirty="0">
               <a:cs typeface="Calibri"/>
             </a:endParaRPr>
           </a:p>
           <a:p>
             <a:r>
-              <a:rPr lang="ru-RU" err="1"/>
+              <a:rPr lang="ru-RU" dirty="0" err="1"/>
               <a:t>Хімічний</a:t>
             </a:r>
             <a:r>
-              <a:rPr lang="ru-RU"/>
+              <a:rPr lang="ru-RU" dirty="0"/>
               <a:t> та </a:t>
             </a:r>
             <a:r>
-              <a:rPr lang="ru-RU" err="1"/>
+              <a:rPr lang="ru-RU" dirty="0" err="1"/>
               <a:t>ізотопний</a:t>
             </a:r>
             <a:r>
-              <a:rPr lang="ru-RU"/>
+              <a:rPr lang="ru-RU" dirty="0"/>
               <a:t> склад </a:t>
             </a:r>
             <a:r>
-              <a:rPr lang="ru-RU" err="1"/>
+              <a:rPr lang="ru-RU" dirty="0" err="1"/>
               <a:t>досліджуваних</a:t>
             </a:r>
             <a:r>
-              <a:rPr lang="ru-RU"/>
+              <a:rPr lang="ru-RU" dirty="0"/>
               <a:t> </a:t>
             </a:r>
             <a:r>
-              <a:rPr lang="ru-RU" err="1"/>
-              <a:t>речови</a:t>
-            </a:r>
-          </a:p>
-          <a:p>
-            <a:r>
-              <a:rPr lang="uk-UA">
+              <a:rPr lang="ru-RU" dirty="0" err="1"/>
+              <a:t>речовин</a:t>
+            </a:r>
+            <a:endParaRPr lang="ru-RU" dirty="0"/>
+          </a:p>
+          <a:p>
+            <a:r>
+              <a:rPr lang="uk-UA" dirty="0">
                 <a:ea typeface="+mn-lt"/>
                 <a:cs typeface="+mn-lt"/>
               </a:rPr>
               <a:t>Перевірка коректності побудованої моделі</a:t>
             </a:r>
-            <a:endParaRPr lang="ru-RU">
+            <a:endParaRPr lang="ru-RU" dirty="0">
               <a:cs typeface="Calibri" panose="020F0502020204030204"/>
             </a:endParaRPr>
           </a:p>
           <a:p>
             <a:r>
-              <a:rPr lang="ru-RU" err="1"/>
+              <a:rPr lang="ru-RU" dirty="0" err="1"/>
               <a:t>Результати</a:t>
             </a:r>
             <a:r>
-              <a:rPr lang="ru-RU"/>
+              <a:rPr lang="ru-RU" dirty="0"/>
               <a:t> </a:t>
             </a:r>
           </a:p>
           <a:p>
             <a:r>
-              <a:rPr lang="ru-RU" err="1"/>
+              <a:rPr lang="ru-RU" dirty="0" err="1"/>
               <a:t>Висновки</a:t>
             </a:r>
-            <a:endParaRPr lang="ru-RU"/>
-          </a:p>
-          <a:p>
-            <a:r>
-              <a:rPr lang="ru-RU" err="1"/>
+            <a:endParaRPr lang="ru-RU" dirty="0"/>
+          </a:p>
+          <a:p>
+            <a:r>
+              <a:rPr lang="ru-RU" dirty="0" err="1"/>
               <a:t>Додаткові</a:t>
             </a:r>
             <a:r>
-              <a:rPr lang="ru-RU"/>
+              <a:rPr lang="ru-RU" dirty="0"/>
               <a:t> </a:t>
             </a:r>
             <a:r>
-              <a:rPr lang="ru-RU" err="1"/>
+              <a:rPr lang="ru-RU" dirty="0" err="1"/>
               <a:t>слайди</a:t>
             </a:r>
-            <a:endParaRPr lang="ru-RU"/>
+            <a:endParaRPr lang="ru-RU" dirty="0"/>
           </a:p>
         </p:txBody>
       </p:sp>
@@ -5063,8 +5052,8 @@
           </a:p>
         </p:txBody>
       </p:sp>
-      <mc:AlternateContent xmlns:mc="http://schemas.openxmlformats.org/markup-compatibility/2006">
-        <mc:Choice xmlns:a14="http://schemas.microsoft.com/office/drawing/2010/main" Requires="a14">
+      <mc:AlternateContent xmlns:mc="http://schemas.openxmlformats.org/markup-compatibility/2006" xmlns:a14="http://schemas.microsoft.com/office/drawing/2010/main">
+        <mc:Choice Requires="a14">
           <p:sp>
             <p:nvSpPr>
               <p:cNvPr id="10" name="TextBox 9">
@@ -5174,7 +5163,7 @@
             </p:txBody>
           </p:sp>
         </mc:Choice>
-        <mc:Fallback>
+        <mc:Fallback xmlns="">
           <p:sp>
             <p:nvSpPr>
               <p:cNvPr id="10" name="TextBox 9">
@@ -5316,8 +5305,8 @@
           </a:p>
         </p:txBody>
       </p:sp>
-      <mc:AlternateContent xmlns:mc="http://schemas.openxmlformats.org/markup-compatibility/2006">
-        <mc:Choice xmlns:a14="http://schemas.microsoft.com/office/drawing/2010/main" Requires="a14">
+      <mc:AlternateContent xmlns:mc="http://schemas.openxmlformats.org/markup-compatibility/2006" xmlns:a14="http://schemas.microsoft.com/office/drawing/2010/main">
+        <mc:Choice Requires="a14">
           <p:sp>
             <p:nvSpPr>
               <p:cNvPr id="3" name="Объект 2">
@@ -5449,7 +5438,7 @@
             </p:txBody>
           </p:sp>
         </mc:Choice>
-        <mc:Fallback>
+        <mc:Fallback xmlns="">
           <p:sp>
             <p:nvSpPr>
               <p:cNvPr id="3" name="Объект 2">
@@ -5741,21 +5730,21 @@
               </a:lstStyle>
               <a:p>
                 <a:r>
-                  <a:rPr lang="uk-UA"/>
+                  <a:rPr lang="uk-UA" dirty="0"/>
                   <a:t>1 - Зовнішній контур </a:t>
                 </a:r>
                 <a:r>
-                  <a:rPr lang="en-US"/>
+                  <a:rPr lang="en-US" dirty="0"/>
                   <a:t>Al – 2</a:t>
                 </a:r>
                 <a:r>
-                  <a:rPr lang="uk-UA"/>
+                  <a:rPr lang="uk-UA" dirty="0"/>
                   <a:t>см </a:t>
                 </a:r>
               </a:p>
               <a:p>
                 <a:r>
-                  <a:rPr lang="ru-RU"/>
+                  <a:rPr lang="ru-RU" dirty="0"/>
                   <a:t>2 - </a:t>
                 </a:r>
                 <a14:m>
@@ -5802,63 +5791,59 @@
                   </m:oMath>
                 </a14:m>
                 <a:r>
-                  <a:rPr lang="ru-RU"/>
+                  <a:rPr lang="ru-RU" dirty="0"/>
                   <a:t> - </a:t>
                 </a:r>
                 <a:r>
-                  <a:rPr lang="ru-RU" err="1"/>
+                  <a:rPr lang="ru-RU" dirty="0" err="1"/>
                   <a:t>поглинач</a:t>
                 </a:r>
                 <a:r>
-                  <a:rPr lang="ru-RU"/>
+                  <a:rPr lang="ru-RU" dirty="0"/>
                   <a:t> </a:t>
                 </a:r>
                 <a:r>
-                  <a:rPr lang="ru-RU" err="1"/>
+                  <a:rPr lang="ru-RU" dirty="0" err="1"/>
                   <a:t>теплових</a:t>
                 </a:r>
                 <a:r>
-                  <a:rPr lang="ru-RU"/>
+                  <a:rPr lang="ru-RU" dirty="0"/>
                   <a:t> </a:t>
                 </a:r>
                 <a:r>
-                  <a:rPr lang="ru-RU" err="1"/>
+                  <a:rPr lang="ru-RU" dirty="0" err="1"/>
                   <a:t>нейтронів</a:t>
                 </a:r>
-                <a:endParaRPr lang="ru-RU"/>
+                <a:endParaRPr lang="ru-RU" dirty="0"/>
               </a:p>
               <a:p>
                 <a:r>
-                  <a:rPr lang="ru-RU"/>
+                  <a:rPr lang="ru-RU" dirty="0"/>
                   <a:t>3 – </a:t>
                 </a:r>
                 <a:r>
-                  <a:rPr lang="ru-RU" err="1"/>
+                  <a:rPr lang="ru-RU" dirty="0" err="1"/>
                   <a:t>Внутрішній</a:t>
                 </a:r>
                 <a:r>
-                  <a:rPr lang="ru-RU"/>
+                  <a:rPr lang="ru-RU" dirty="0"/>
                   <a:t> контур </a:t>
                 </a:r>
                 <a:r>
-                  <a:rPr lang="en-US"/>
+                  <a:rPr lang="en-US" dirty="0"/>
                   <a:t>Pb – 1 </a:t>
                 </a:r>
                 <a:r>
-                  <a:rPr lang="uk-UA"/>
+                  <a:rPr lang="uk-UA" dirty="0"/>
                   <a:t>см </a:t>
                 </a:r>
               </a:p>
               <a:p>
                 <a:r>
-                  <a:rPr lang="uk-UA"/>
-                  <a:t>Всередині захист заповнений </a:t>
+                  <a:rPr lang="uk-UA" dirty="0"/>
+                  <a:t>Всередині захист заповнений повітрям</a:t>
                 </a:r>
-                <a:r>
-                  <a:rPr lang="uk-UA" err="1"/>
-                  <a:t>поітрям</a:t>
-                </a:r>
-                <a:endParaRPr lang="ru-RU"/>
+                <a:endParaRPr lang="ru-RU" dirty="0"/>
               </a:p>
             </p:txBody>
           </p:sp>
@@ -5898,7 +5883,7 @@
               <a:lstStyle/>
               <a:p>
                 <a:r>
-                  <a:rPr lang="en-US">
+                  <a:rPr lang="ru-RU">
                     <a:noFill/>
                   </a:rPr>
                   <a:t> </a:t>

--- a/v.haponov/Presentation/Valentyn_Haponov _presentation.pptx
+++ b/v.haponov/Presentation/Valentyn_Haponov _presentation.pptx
@@ -1,9 +1,12 @@
 
 <file path=ppt/presentation.xml><?xml version="1.0" encoding="utf-8"?>
-<p:presentation xmlns:a="http://schemas.openxmlformats.org/drawingml/2006/main" xmlns:r="http://schemas.openxmlformats.org/officeDocument/2006/relationships" xmlns:p="http://schemas.openxmlformats.org/presentationml/2006/main" saveSubsetFonts="1">
+<p:presentation xmlns:a="http://schemas.openxmlformats.org/drawingml/2006/main" xmlns:r="http://schemas.openxmlformats.org/officeDocument/2006/relationships" xmlns:p="http://schemas.openxmlformats.org/presentationml/2006/main" showSpecialPlsOnTitleSld="0" saveSubsetFonts="1">
   <p:sldMasterIdLst>
     <p:sldMasterId id="2147483648" r:id="rId1"/>
   </p:sldMasterIdLst>
+  <p:notesMasterIdLst>
+    <p:notesMasterId r:id="rId18"/>
+  </p:notesMasterIdLst>
   <p:sldIdLst>
     <p:sldId id="256" r:id="rId2"/>
     <p:sldId id="257" r:id="rId3"/>
@@ -165,6 +168,355 @@
 </pc:chgInfo>
 </file>
 
+<file path=ppt/notesMasters/notesMaster1.xml><?xml version="1.0" encoding="utf-8"?>
+<p:notesMaster xmlns:a="http://schemas.openxmlformats.org/drawingml/2006/main" xmlns:r="http://schemas.openxmlformats.org/officeDocument/2006/relationships" xmlns:p="http://schemas.openxmlformats.org/presentationml/2006/main">
+  <p:cSld>
+    <p:bg>
+      <p:bgRef idx="1001">
+        <a:schemeClr val="bg1"/>
+      </p:bgRef>
+    </p:bg>
+    <p:spTree>
+      <p:nvGrpSpPr>
+        <p:cNvPr id="1" name=""/>
+        <p:cNvGrpSpPr/>
+        <p:nvPr/>
+      </p:nvGrpSpPr>
+      <p:grpSpPr>
+        <a:xfrm>
+          <a:off x="0" y="0"/>
+          <a:ext cx="0" cy="0"/>
+          <a:chOff x="0" y="0"/>
+          <a:chExt cx="0" cy="0"/>
+        </a:xfrm>
+      </p:grpSpPr>
+      <p:sp>
+        <p:nvSpPr>
+          <p:cNvPr id="2" name="Верхний колонтитул 1"/>
+          <p:cNvSpPr>
+            <a:spLocks noGrp="1"/>
+          </p:cNvSpPr>
+          <p:nvPr>
+            <p:ph type="hdr" sz="quarter"/>
+          </p:nvPr>
+        </p:nvSpPr>
+        <p:spPr>
+          <a:xfrm>
+            <a:off x="0" y="0"/>
+            <a:ext cx="2971800" cy="458788"/>
+          </a:xfrm>
+          <a:prstGeom prst="rect">
+            <a:avLst/>
+          </a:prstGeom>
+        </p:spPr>
+        <p:txBody>
+          <a:bodyPr vert="horz" lIns="91440" tIns="45720" rIns="91440" bIns="45720" rtlCol="0"/>
+          <a:lstStyle>
+            <a:lvl1pPr algn="l">
+              <a:defRPr sz="1200"/>
+            </a:lvl1pPr>
+          </a:lstStyle>
+          <a:p>
+            <a:endParaRPr lang="ru-RU"/>
+          </a:p>
+        </p:txBody>
+      </p:sp>
+      <p:sp>
+        <p:nvSpPr>
+          <p:cNvPr id="3" name="Дата 2"/>
+          <p:cNvSpPr>
+            <a:spLocks noGrp="1"/>
+          </p:cNvSpPr>
+          <p:nvPr>
+            <p:ph type="dt" idx="1"/>
+          </p:nvPr>
+        </p:nvSpPr>
+        <p:spPr>
+          <a:xfrm>
+            <a:off x="3884613" y="0"/>
+            <a:ext cx="2971800" cy="458788"/>
+          </a:xfrm>
+          <a:prstGeom prst="rect">
+            <a:avLst/>
+          </a:prstGeom>
+        </p:spPr>
+        <p:txBody>
+          <a:bodyPr vert="horz" lIns="91440" tIns="45720" rIns="91440" bIns="45720" rtlCol="0"/>
+          <a:lstStyle>
+            <a:lvl1pPr algn="r">
+              <a:defRPr sz="1200"/>
+            </a:lvl1pPr>
+          </a:lstStyle>
+          <a:p>
+            <a:fld id="{018E08EF-3875-4521-9923-D071B1C32FB9}" type="datetimeFigureOut">
+              <a:rPr lang="ru-RU" smtClean="0"/>
+              <a:t>15.06.2020</a:t>
+            </a:fld>
+            <a:endParaRPr lang="ru-RU"/>
+          </a:p>
+        </p:txBody>
+      </p:sp>
+      <p:sp>
+        <p:nvSpPr>
+          <p:cNvPr id="4" name="Образ слайда 3"/>
+          <p:cNvSpPr>
+            <a:spLocks noGrp="1" noRot="1" noChangeAspect="1"/>
+          </p:cNvSpPr>
+          <p:nvPr>
+            <p:ph type="sldImg" idx="2"/>
+          </p:nvPr>
+        </p:nvSpPr>
+        <p:spPr>
+          <a:xfrm>
+            <a:off x="685800" y="1143000"/>
+            <a:ext cx="5486400" cy="3086100"/>
+          </a:xfrm>
+          <a:prstGeom prst="rect">
+            <a:avLst/>
+          </a:prstGeom>
+          <a:noFill/>
+          <a:ln w="12700">
+            <a:solidFill>
+              <a:prstClr val="black"/>
+            </a:solidFill>
+          </a:ln>
+        </p:spPr>
+        <p:txBody>
+          <a:bodyPr vert="horz" lIns="91440" tIns="45720" rIns="91440" bIns="45720" rtlCol="0" anchor="ctr"/>
+          <a:lstStyle/>
+          <a:p>
+            <a:endParaRPr lang="ru-RU"/>
+          </a:p>
+        </p:txBody>
+      </p:sp>
+      <p:sp>
+        <p:nvSpPr>
+          <p:cNvPr id="5" name="Заметки 4"/>
+          <p:cNvSpPr>
+            <a:spLocks noGrp="1"/>
+          </p:cNvSpPr>
+          <p:nvPr>
+            <p:ph type="body" sz="quarter" idx="3"/>
+          </p:nvPr>
+        </p:nvSpPr>
+        <p:spPr>
+          <a:xfrm>
+            <a:off x="685800" y="4400550"/>
+            <a:ext cx="5486400" cy="3600450"/>
+          </a:xfrm>
+          <a:prstGeom prst="rect">
+            <a:avLst/>
+          </a:prstGeom>
+        </p:spPr>
+        <p:txBody>
+          <a:bodyPr vert="horz" lIns="91440" tIns="45720" rIns="91440" bIns="45720" rtlCol="0"/>
+          <a:lstStyle/>
+          <a:p>
+            <a:pPr lvl="0"/>
+            <a:r>
+              <a:rPr lang="ru-RU"/>
+              <a:t>Образец текста</a:t>
+            </a:r>
+          </a:p>
+          <a:p>
+            <a:pPr lvl="1"/>
+            <a:r>
+              <a:rPr lang="ru-RU"/>
+              <a:t>Второй уровень</a:t>
+            </a:r>
+          </a:p>
+          <a:p>
+            <a:pPr lvl="2"/>
+            <a:r>
+              <a:rPr lang="ru-RU"/>
+              <a:t>Третий уровень</a:t>
+            </a:r>
+          </a:p>
+          <a:p>
+            <a:pPr lvl="3"/>
+            <a:r>
+              <a:rPr lang="ru-RU"/>
+              <a:t>Четвертый уровень</a:t>
+            </a:r>
+          </a:p>
+          <a:p>
+            <a:pPr lvl="4"/>
+            <a:r>
+              <a:rPr lang="ru-RU"/>
+              <a:t>Пятый уровень</a:t>
+            </a:r>
+          </a:p>
+        </p:txBody>
+      </p:sp>
+      <p:sp>
+        <p:nvSpPr>
+          <p:cNvPr id="6" name="Нижний колонтитул 5"/>
+          <p:cNvSpPr>
+            <a:spLocks noGrp="1"/>
+          </p:cNvSpPr>
+          <p:nvPr>
+            <p:ph type="ftr" sz="quarter" idx="4"/>
+          </p:nvPr>
+        </p:nvSpPr>
+        <p:spPr>
+          <a:xfrm>
+            <a:off x="0" y="8685213"/>
+            <a:ext cx="2971800" cy="458787"/>
+          </a:xfrm>
+          <a:prstGeom prst="rect">
+            <a:avLst/>
+          </a:prstGeom>
+        </p:spPr>
+        <p:txBody>
+          <a:bodyPr vert="horz" lIns="91440" tIns="45720" rIns="91440" bIns="45720" rtlCol="0" anchor="b"/>
+          <a:lstStyle>
+            <a:lvl1pPr algn="l">
+              <a:defRPr sz="1200"/>
+            </a:lvl1pPr>
+          </a:lstStyle>
+          <a:p>
+            <a:endParaRPr lang="ru-RU"/>
+          </a:p>
+        </p:txBody>
+      </p:sp>
+      <p:sp>
+        <p:nvSpPr>
+          <p:cNvPr id="7" name="Номер слайда 6"/>
+          <p:cNvSpPr>
+            <a:spLocks noGrp="1"/>
+          </p:cNvSpPr>
+          <p:nvPr>
+            <p:ph type="sldNum" sz="quarter" idx="5"/>
+          </p:nvPr>
+        </p:nvSpPr>
+        <p:spPr>
+          <a:xfrm>
+            <a:off x="3884613" y="8685213"/>
+            <a:ext cx="2971800" cy="458787"/>
+          </a:xfrm>
+          <a:prstGeom prst="rect">
+            <a:avLst/>
+          </a:prstGeom>
+        </p:spPr>
+        <p:txBody>
+          <a:bodyPr vert="horz" lIns="91440" tIns="45720" rIns="91440" bIns="45720" rtlCol="0" anchor="b"/>
+          <a:lstStyle>
+            <a:lvl1pPr algn="r">
+              <a:defRPr sz="1200"/>
+            </a:lvl1pPr>
+          </a:lstStyle>
+          <a:p>
+            <a:fld id="{F0048FF3-1DB0-4AA6-9541-161F9541E43D}" type="slidenum">
+              <a:rPr lang="ru-RU" smtClean="0"/>
+              <a:t>‹#›</a:t>
+            </a:fld>
+            <a:endParaRPr lang="ru-RU"/>
+          </a:p>
+        </p:txBody>
+      </p:sp>
+    </p:spTree>
+    <p:extLst>
+      <p:ext uri="{BB962C8B-B14F-4D97-AF65-F5344CB8AC3E}">
+        <p14:creationId xmlns:p14="http://schemas.microsoft.com/office/powerpoint/2010/main" val="2986192239"/>
+      </p:ext>
+    </p:extLst>
+  </p:cSld>
+  <p:clrMap bg1="lt1" tx1="dk1" bg2="lt2" tx2="dk2" accent1="accent1" accent2="accent2" accent3="accent3" accent4="accent4" accent5="accent5" accent6="accent6" hlink="hlink" folHlink="folHlink"/>
+  <p:notesStyle>
+    <a:lvl1pPr marL="0" algn="l" defTabSz="914400" rtl="0" eaLnBrk="1" latinLnBrk="0" hangingPunct="1">
+      <a:defRPr sz="1200" kern="1200">
+        <a:solidFill>
+          <a:schemeClr val="tx1"/>
+        </a:solidFill>
+        <a:latin typeface="+mn-lt"/>
+        <a:ea typeface="+mn-ea"/>
+        <a:cs typeface="+mn-cs"/>
+      </a:defRPr>
+    </a:lvl1pPr>
+    <a:lvl2pPr marL="457200" algn="l" defTabSz="914400" rtl="0" eaLnBrk="1" latinLnBrk="0" hangingPunct="1">
+      <a:defRPr sz="1200" kern="1200">
+        <a:solidFill>
+          <a:schemeClr val="tx1"/>
+        </a:solidFill>
+        <a:latin typeface="+mn-lt"/>
+        <a:ea typeface="+mn-ea"/>
+        <a:cs typeface="+mn-cs"/>
+      </a:defRPr>
+    </a:lvl2pPr>
+    <a:lvl3pPr marL="914400" algn="l" defTabSz="914400" rtl="0" eaLnBrk="1" latinLnBrk="0" hangingPunct="1">
+      <a:defRPr sz="1200" kern="1200">
+        <a:solidFill>
+          <a:schemeClr val="tx1"/>
+        </a:solidFill>
+        <a:latin typeface="+mn-lt"/>
+        <a:ea typeface="+mn-ea"/>
+        <a:cs typeface="+mn-cs"/>
+      </a:defRPr>
+    </a:lvl3pPr>
+    <a:lvl4pPr marL="1371600" algn="l" defTabSz="914400" rtl="0" eaLnBrk="1" latinLnBrk="0" hangingPunct="1">
+      <a:defRPr sz="1200" kern="1200">
+        <a:solidFill>
+          <a:schemeClr val="tx1"/>
+        </a:solidFill>
+        <a:latin typeface="+mn-lt"/>
+        <a:ea typeface="+mn-ea"/>
+        <a:cs typeface="+mn-cs"/>
+      </a:defRPr>
+    </a:lvl4pPr>
+    <a:lvl5pPr marL="1828800" algn="l" defTabSz="914400" rtl="0" eaLnBrk="1" latinLnBrk="0" hangingPunct="1">
+      <a:defRPr sz="1200" kern="1200">
+        <a:solidFill>
+          <a:schemeClr val="tx1"/>
+        </a:solidFill>
+        <a:latin typeface="+mn-lt"/>
+        <a:ea typeface="+mn-ea"/>
+        <a:cs typeface="+mn-cs"/>
+      </a:defRPr>
+    </a:lvl5pPr>
+    <a:lvl6pPr marL="2286000" algn="l" defTabSz="914400" rtl="0" eaLnBrk="1" latinLnBrk="0" hangingPunct="1">
+      <a:defRPr sz="1200" kern="1200">
+        <a:solidFill>
+          <a:schemeClr val="tx1"/>
+        </a:solidFill>
+        <a:latin typeface="+mn-lt"/>
+        <a:ea typeface="+mn-ea"/>
+        <a:cs typeface="+mn-cs"/>
+      </a:defRPr>
+    </a:lvl6pPr>
+    <a:lvl7pPr marL="2743200" algn="l" defTabSz="914400" rtl="0" eaLnBrk="1" latinLnBrk="0" hangingPunct="1">
+      <a:defRPr sz="1200" kern="1200">
+        <a:solidFill>
+          <a:schemeClr val="tx1"/>
+        </a:solidFill>
+        <a:latin typeface="+mn-lt"/>
+        <a:ea typeface="+mn-ea"/>
+        <a:cs typeface="+mn-cs"/>
+      </a:defRPr>
+    </a:lvl7pPr>
+    <a:lvl8pPr marL="3200400" algn="l" defTabSz="914400" rtl="0" eaLnBrk="1" latinLnBrk="0" hangingPunct="1">
+      <a:defRPr sz="1200" kern="1200">
+        <a:solidFill>
+          <a:schemeClr val="tx1"/>
+        </a:solidFill>
+        <a:latin typeface="+mn-lt"/>
+        <a:ea typeface="+mn-ea"/>
+        <a:cs typeface="+mn-cs"/>
+      </a:defRPr>
+    </a:lvl8pPr>
+    <a:lvl9pPr marL="3657600" algn="l" defTabSz="914400" rtl="0" eaLnBrk="1" latinLnBrk="0" hangingPunct="1">
+      <a:defRPr sz="1200" kern="1200">
+        <a:solidFill>
+          <a:schemeClr val="tx1"/>
+        </a:solidFill>
+        <a:latin typeface="+mn-lt"/>
+        <a:ea typeface="+mn-ea"/>
+        <a:cs typeface="+mn-cs"/>
+      </a:defRPr>
+    </a:lvl9pPr>
+  </p:notesStyle>
+</p:notesMaster>
+</file>
+
 <file path=ppt/slideLayouts/slideLayout1.xml><?xml version="1.0" encoding="utf-8"?>
 <p:sldLayout xmlns:a="http://schemas.openxmlformats.org/drawingml/2006/main" xmlns:r="http://schemas.openxmlformats.org/officeDocument/2006/relationships" xmlns:p="http://schemas.openxmlformats.org/presentationml/2006/main" type="title" preserve="1">
   <p:cSld name="Титульный слайд">
@@ -310,9 +662,9 @@
           <a:bodyPr/>
           <a:lstStyle/>
           <a:p>
-            <a:fld id="{FCA662B4-D131-4ADB-BA10-D9BA9FBC173B}" type="datetimeFigureOut">
+            <a:fld id="{3ACC50B0-711A-42D5-B8AA-A3D7FB98248E}" type="datetime1">
               <a:rPr lang="ru-RU" smtClean="0"/>
-              <a:t>10.06.2020</a:t>
+              <a:t>15.06.2020</a:t>
             </a:fld>
             <a:endParaRPr lang="ru-RU"/>
           </a:p>
@@ -339,7 +691,10 @@
           <a:bodyPr/>
           <a:lstStyle/>
           <a:p>
-            <a:endParaRPr lang="ru-RU"/>
+            <a:r>
+              <a:rPr lang="ru-RU"/>
+              <a:t>Гапонов В. В </a:t>
+            </a:r>
           </a:p>
         </p:txBody>
       </p:sp>
@@ -508,9 +863,9 @@
           <a:bodyPr/>
           <a:lstStyle/>
           <a:p>
-            <a:fld id="{FCA662B4-D131-4ADB-BA10-D9BA9FBC173B}" type="datetimeFigureOut">
+            <a:fld id="{50B39442-8081-417B-8A8B-3E66E229138F}" type="datetime1">
               <a:rPr lang="ru-RU" smtClean="0"/>
-              <a:t>10.06.2020</a:t>
+              <a:t>15.06.2020</a:t>
             </a:fld>
             <a:endParaRPr lang="ru-RU"/>
           </a:p>
@@ -537,7 +892,10 @@
           <a:bodyPr/>
           <a:lstStyle/>
           <a:p>
-            <a:endParaRPr lang="ru-RU"/>
+            <a:r>
+              <a:rPr lang="ru-RU"/>
+              <a:t>Гапонов В. В </a:t>
+            </a:r>
           </a:p>
         </p:txBody>
       </p:sp>
@@ -716,9 +1074,9 @@
           <a:bodyPr/>
           <a:lstStyle/>
           <a:p>
-            <a:fld id="{FCA662B4-D131-4ADB-BA10-D9BA9FBC173B}" type="datetimeFigureOut">
+            <a:fld id="{6AB428D1-3523-4C00-A218-FD48CE59483D}" type="datetime1">
               <a:rPr lang="ru-RU" smtClean="0"/>
-              <a:t>10.06.2020</a:t>
+              <a:t>15.06.2020</a:t>
             </a:fld>
             <a:endParaRPr lang="ru-RU"/>
           </a:p>
@@ -745,7 +1103,10 @@
           <a:bodyPr/>
           <a:lstStyle/>
           <a:p>
-            <a:endParaRPr lang="ru-RU"/>
+            <a:r>
+              <a:rPr lang="ru-RU"/>
+              <a:t>Гапонов В. В </a:t>
+            </a:r>
           </a:p>
         </p:txBody>
       </p:sp>
@@ -914,9 +1275,9 @@
           <a:bodyPr/>
           <a:lstStyle/>
           <a:p>
-            <a:fld id="{FCA662B4-D131-4ADB-BA10-D9BA9FBC173B}" type="datetimeFigureOut">
+            <a:fld id="{680BD03C-4798-400C-8971-F97D5B7DC0FF}" type="datetime1">
               <a:rPr lang="ru-RU" smtClean="0"/>
-              <a:t>10.06.2020</a:t>
+              <a:t>15.06.2020</a:t>
             </a:fld>
             <a:endParaRPr lang="ru-RU"/>
           </a:p>
@@ -943,7 +1304,10 @@
           <a:bodyPr/>
           <a:lstStyle/>
           <a:p>
-            <a:endParaRPr lang="ru-RU"/>
+            <a:r>
+              <a:rPr lang="ru-RU"/>
+              <a:t>Гапонов В. В </a:t>
+            </a:r>
           </a:p>
         </p:txBody>
       </p:sp>
@@ -1189,9 +1553,9 @@
           <a:bodyPr/>
           <a:lstStyle/>
           <a:p>
-            <a:fld id="{FCA662B4-D131-4ADB-BA10-D9BA9FBC173B}" type="datetimeFigureOut">
+            <a:fld id="{41BC5138-EA08-4211-AD9C-1F6956D79E10}" type="datetime1">
               <a:rPr lang="ru-RU" smtClean="0"/>
-              <a:t>10.06.2020</a:t>
+              <a:t>15.06.2020</a:t>
             </a:fld>
             <a:endParaRPr lang="ru-RU"/>
           </a:p>
@@ -1218,7 +1582,10 @@
           <a:bodyPr/>
           <a:lstStyle/>
           <a:p>
-            <a:endParaRPr lang="ru-RU"/>
+            <a:r>
+              <a:rPr lang="ru-RU"/>
+              <a:t>Гапонов В. В </a:t>
+            </a:r>
           </a:p>
         </p:txBody>
       </p:sp>
@@ -1454,9 +1821,9 @@
           <a:bodyPr/>
           <a:lstStyle/>
           <a:p>
-            <a:fld id="{FCA662B4-D131-4ADB-BA10-D9BA9FBC173B}" type="datetimeFigureOut">
+            <a:fld id="{604A5C0D-E4D6-455C-9136-276CEC1665DE}" type="datetime1">
               <a:rPr lang="ru-RU" smtClean="0"/>
-              <a:t>10.06.2020</a:t>
+              <a:t>15.06.2020</a:t>
             </a:fld>
             <a:endParaRPr lang="ru-RU"/>
           </a:p>
@@ -1483,7 +1850,10 @@
           <a:bodyPr/>
           <a:lstStyle/>
           <a:p>
-            <a:endParaRPr lang="ru-RU"/>
+            <a:r>
+              <a:rPr lang="ru-RU"/>
+              <a:t>Гапонов В. В </a:t>
+            </a:r>
           </a:p>
         </p:txBody>
       </p:sp>
@@ -1866,9 +2236,9 @@
           <a:bodyPr/>
           <a:lstStyle/>
           <a:p>
-            <a:fld id="{FCA662B4-D131-4ADB-BA10-D9BA9FBC173B}" type="datetimeFigureOut">
+            <a:fld id="{6C268C7B-136F-465D-9615-C255C0BB0F8A}" type="datetime1">
               <a:rPr lang="ru-RU" smtClean="0"/>
-              <a:t>10.06.2020</a:t>
+              <a:t>15.06.2020</a:t>
             </a:fld>
             <a:endParaRPr lang="ru-RU"/>
           </a:p>
@@ -1895,7 +2265,10 @@
           <a:bodyPr/>
           <a:lstStyle/>
           <a:p>
-            <a:endParaRPr lang="ru-RU"/>
+            <a:r>
+              <a:rPr lang="ru-RU"/>
+              <a:t>Гапонов В. В </a:t>
+            </a:r>
           </a:p>
         </p:txBody>
       </p:sp>
@@ -2007,9 +2380,9 @@
           <a:bodyPr/>
           <a:lstStyle/>
           <a:p>
-            <a:fld id="{FCA662B4-D131-4ADB-BA10-D9BA9FBC173B}" type="datetimeFigureOut">
+            <a:fld id="{E2C0E494-50EE-4ABF-930A-A80C7E78D10A}" type="datetime1">
               <a:rPr lang="ru-RU" smtClean="0"/>
-              <a:t>10.06.2020</a:t>
+              <a:t>15.06.2020</a:t>
             </a:fld>
             <a:endParaRPr lang="ru-RU"/>
           </a:p>
@@ -2036,7 +2409,10 @@
           <a:bodyPr/>
           <a:lstStyle/>
           <a:p>
-            <a:endParaRPr lang="ru-RU"/>
+            <a:r>
+              <a:rPr lang="ru-RU"/>
+              <a:t>Гапонов В. В </a:t>
+            </a:r>
           </a:p>
         </p:txBody>
       </p:sp>
@@ -2120,9 +2496,9 @@
           <a:bodyPr/>
           <a:lstStyle/>
           <a:p>
-            <a:fld id="{FCA662B4-D131-4ADB-BA10-D9BA9FBC173B}" type="datetimeFigureOut">
+            <a:fld id="{B0ADF7F9-E3B2-458F-8272-4FC49D2682A4}" type="datetime1">
               <a:rPr lang="ru-RU" smtClean="0"/>
-              <a:t>10.06.2020</a:t>
+              <a:t>15.06.2020</a:t>
             </a:fld>
             <a:endParaRPr lang="ru-RU"/>
           </a:p>
@@ -2149,7 +2525,10 @@
           <a:bodyPr/>
           <a:lstStyle/>
           <a:p>
-            <a:endParaRPr lang="ru-RU"/>
+            <a:r>
+              <a:rPr lang="ru-RU"/>
+              <a:t>Гапонов В. В </a:t>
+            </a:r>
           </a:p>
         </p:txBody>
       </p:sp>
@@ -2431,9 +2810,9 @@
           <a:bodyPr/>
           <a:lstStyle/>
           <a:p>
-            <a:fld id="{FCA662B4-D131-4ADB-BA10-D9BA9FBC173B}" type="datetimeFigureOut">
+            <a:fld id="{4E25AD62-100C-4CA9-B885-848218A8CB45}" type="datetime1">
               <a:rPr lang="ru-RU" smtClean="0"/>
-              <a:t>10.06.2020</a:t>
+              <a:t>15.06.2020</a:t>
             </a:fld>
             <a:endParaRPr lang="ru-RU"/>
           </a:p>
@@ -2460,7 +2839,10 @@
           <a:bodyPr/>
           <a:lstStyle/>
           <a:p>
-            <a:endParaRPr lang="ru-RU"/>
+            <a:r>
+              <a:rPr lang="ru-RU"/>
+              <a:t>Гапонов В. В </a:t>
+            </a:r>
           </a:p>
         </p:txBody>
       </p:sp>
@@ -2719,9 +3101,9 @@
           <a:bodyPr/>
           <a:lstStyle/>
           <a:p>
-            <a:fld id="{FCA662B4-D131-4ADB-BA10-D9BA9FBC173B}" type="datetimeFigureOut">
+            <a:fld id="{748DD4A1-C2CA-4530-A8CD-D5A32F14724D}" type="datetime1">
               <a:rPr lang="ru-RU" smtClean="0"/>
-              <a:t>10.06.2020</a:t>
+              <a:t>15.06.2020</a:t>
             </a:fld>
             <a:endParaRPr lang="ru-RU"/>
           </a:p>
@@ -2748,7 +3130,10 @@
           <a:bodyPr/>
           <a:lstStyle/>
           <a:p>
-            <a:endParaRPr lang="ru-RU"/>
+            <a:r>
+              <a:rPr lang="ru-RU"/>
+              <a:t>Гапонов В. В </a:t>
+            </a:r>
           </a:p>
         </p:txBody>
       </p:sp>
@@ -2960,9 +3345,9 @@
             </a:lvl1pPr>
           </a:lstStyle>
           <a:p>
-            <a:fld id="{FCA662B4-D131-4ADB-BA10-D9BA9FBC173B}" type="datetimeFigureOut">
+            <a:fld id="{382ADB91-804E-479A-A7FA-AD80F45A6BC6}" type="datetime1">
               <a:rPr lang="ru-RU" smtClean="0"/>
-              <a:t>10.06.2020</a:t>
+              <a:t>15.06.2020</a:t>
             </a:fld>
             <a:endParaRPr lang="ru-RU"/>
           </a:p>
@@ -3007,7 +3392,10 @@
             </a:lvl1pPr>
           </a:lstStyle>
           <a:p>
-            <a:endParaRPr lang="ru-RU"/>
+            <a:r>
+              <a:rPr lang="ru-RU"/>
+              <a:t>Гапонов В. В </a:t>
+            </a:r>
           </a:p>
         </p:txBody>
       </p:sp>
@@ -3079,6 +3467,7 @@
     <p:sldLayoutId id="2147483658" r:id="rId10"/>
     <p:sldLayoutId id="2147483659" r:id="rId11"/>
   </p:sldLayoutIdLst>
+  <p:hf hdr="0" ftr="0" dt="0"/>
   <p:txStyles>
     <p:titleStyle>
       <a:lvl1pPr algn="l" defTabSz="914400" rtl="0" eaLnBrk="1" latinLnBrk="0" hangingPunct="1">
@@ -3448,112 +3837,116 @@
           <a:p>
             <a:pPr algn="r"/>
             <a:r>
-              <a:rPr lang="ru-RU" err="1"/>
+              <a:rPr lang="ru-RU" dirty="0" err="1"/>
               <a:t>Бакалаврська</a:t>
             </a:r>
             <a:r>
-              <a:rPr lang="ru-RU"/>
+              <a:rPr lang="ru-RU" dirty="0"/>
               <a:t> робота </a:t>
             </a:r>
           </a:p>
           <a:p>
             <a:pPr algn="r"/>
             <a:r>
-              <a:rPr lang="ru-RU"/>
+              <a:rPr lang="ru-RU" dirty="0"/>
               <a:t>Студента 4 року </a:t>
             </a:r>
             <a:r>
-              <a:rPr lang="ru-RU" err="1"/>
+              <a:rPr lang="ru-RU" dirty="0" err="1"/>
               <a:t>навчання</a:t>
             </a:r>
             <a:r>
-              <a:rPr lang="ru-RU"/>
+              <a:rPr lang="ru-RU" dirty="0"/>
               <a:t> </a:t>
             </a:r>
           </a:p>
           <a:p>
             <a:pPr algn="r"/>
             <a:r>
-              <a:rPr lang="ru-RU" b="1" i="1"/>
+              <a:rPr lang="ru-RU" b="1" i="1" dirty="0"/>
               <a:t>Гапонова Валентина </a:t>
             </a:r>
             <a:r>
-              <a:rPr lang="ru-RU" b="1" i="1" err="1"/>
+              <a:rPr lang="ru-RU" b="1" i="1" dirty="0" err="1"/>
               <a:t>Вікторовича</a:t>
             </a:r>
-            <a:endParaRPr lang="ru-RU" b="1" i="1"/>
+            <a:endParaRPr lang="ru-RU" b="1" i="1" dirty="0"/>
           </a:p>
           <a:p>
             <a:pPr algn="r"/>
-            <a:endParaRPr lang="ru-RU"/>
+            <a:endParaRPr lang="ru-RU" dirty="0"/>
           </a:p>
           <a:p>
             <a:pPr algn="r"/>
             <a:r>
-              <a:rPr lang="ru-RU" err="1"/>
+              <a:rPr lang="ru-RU" dirty="0" err="1"/>
               <a:t>Науковий</a:t>
             </a:r>
             <a:r>
-              <a:rPr lang="ru-RU"/>
+              <a:rPr lang="ru-RU" dirty="0"/>
               <a:t> </a:t>
             </a:r>
             <a:r>
-              <a:rPr lang="ru-RU" err="1"/>
+              <a:rPr lang="ru-RU" dirty="0" err="1"/>
               <a:t>керівник</a:t>
             </a:r>
-            <a:endParaRPr lang="ru-RU"/>
+            <a:endParaRPr lang="ru-RU" dirty="0"/>
           </a:p>
           <a:p>
             <a:pPr algn="r"/>
             <a:r>
-              <a:rPr lang="ru-RU"/>
+              <a:rPr lang="ru-RU" dirty="0"/>
               <a:t>Кандидат </a:t>
             </a:r>
             <a:r>
-              <a:rPr lang="ru-RU" err="1"/>
+              <a:rPr lang="ru-RU" dirty="0" err="1"/>
               <a:t>фіз</a:t>
             </a:r>
             <a:r>
-              <a:rPr lang="ru-RU"/>
+              <a:rPr lang="ru-RU" dirty="0"/>
               <a:t>.-мат. наук, доцент </a:t>
             </a:r>
             <a:r>
-              <a:rPr lang="ru-RU" err="1"/>
-              <a:t>кф</a:t>
-            </a:r>
-            <a:r>
-              <a:rPr lang="ru-RU"/>
-              <a:t>. </a:t>
-            </a:r>
-            <a:r>
-              <a:rPr lang="ru-RU" err="1"/>
+              <a:rPr lang="ru-RU" dirty="0" err="1"/>
+              <a:t>кфедри</a:t>
+            </a:r>
+            <a:r>
+              <a:rPr lang="ru-RU" dirty="0"/>
+              <a:t> </a:t>
+            </a:r>
+            <a:r>
+              <a:rPr lang="ru-RU" dirty="0" err="1"/>
               <a:t>Ядерної</a:t>
             </a:r>
             <a:r>
-              <a:rPr lang="ru-RU"/>
-              <a:t> </a:t>
-            </a:r>
-            <a:r>
-              <a:rPr lang="ru-RU" err="1"/>
-              <a:t>фзики</a:t>
+              <a:rPr lang="ru-RU" dirty="0"/>
+              <a:t> ф</a:t>
+            </a:r>
+            <a:r>
+              <a:rPr lang="uk-UA" dirty="0"/>
+              <a:t>і</a:t>
+            </a:r>
+            <a:r>
+              <a:rPr lang="ru-RU" dirty="0" err="1"/>
+              <a:t>зики</a:t>
             </a:r>
             <a:br>
-              <a:rPr lang="ru-RU"/>
+              <a:rPr lang="ru-RU" dirty="0"/>
             </a:br>
             <a:r>
-              <a:rPr lang="ru-RU" b="1" i="1" err="1"/>
+              <a:rPr lang="ru-RU" b="1" i="1" dirty="0" err="1"/>
               <a:t>Єрмоленко</a:t>
             </a:r>
             <a:r>
-              <a:rPr lang="ru-RU" b="1" i="1"/>
+              <a:rPr lang="ru-RU" b="1" i="1" dirty="0"/>
               <a:t> Руслан </a:t>
             </a:r>
             <a:r>
-              <a:rPr lang="ru-RU" b="1" i="1" err="1"/>
+              <a:rPr lang="ru-RU" b="1" i="1" dirty="0" err="1"/>
               <a:t>Вікторович</a:t>
             </a:r>
             <a:r>
-              <a:rPr lang="ru-RU" b="1" i="1"/>
+              <a:rPr lang="ru-RU" b="1" i="1" dirty="0"/>
               <a:t> </a:t>
             </a:r>
           </a:p>
@@ -3656,6 +4049,35 @@
           </a:prstGeom>
         </p:spPr>
       </p:pic>
+      <p:sp>
+        <p:nvSpPr>
+          <p:cNvPr id="4" name="Номер слайда 3">
+            <a:extLst>
+              <a:ext uri="{FF2B5EF4-FFF2-40B4-BE49-F238E27FC236}">
+                <a16:creationId xmlns:a16="http://schemas.microsoft.com/office/drawing/2014/main" id="{E18148F9-376A-48BE-83E8-9F9DAC5F5E89}"/>
+              </a:ext>
+            </a:extLst>
+          </p:cNvPr>
+          <p:cNvSpPr>
+            <a:spLocks noGrp="1"/>
+          </p:cNvSpPr>
+          <p:nvPr>
+            <p:ph type="sldNum" sz="quarter" idx="12"/>
+          </p:nvPr>
+        </p:nvSpPr>
+        <p:spPr/>
+        <p:txBody>
+          <a:bodyPr/>
+          <a:lstStyle/>
+          <a:p>
+            <a:fld id="{7B972D3E-A231-406B-99A6-A96EDF746ACB}" type="slidenum">
+              <a:rPr lang="ru-RU" smtClean="0"/>
+              <a:t>10</a:t>
+            </a:fld>
+            <a:endParaRPr lang="ru-RU"/>
+          </a:p>
+        </p:txBody>
+      </p:sp>
     </p:spTree>
     <p:extLst>
       <p:ext uri="{BB962C8B-B14F-4D97-AF65-F5344CB8AC3E}">
@@ -3956,6 +4378,35 @@
           </a:prstGeom>
         </p:spPr>
       </p:pic>
+      <p:sp>
+        <p:nvSpPr>
+          <p:cNvPr id="8" name="Номер слайда 7">
+            <a:extLst>
+              <a:ext uri="{FF2B5EF4-FFF2-40B4-BE49-F238E27FC236}">
+                <a16:creationId xmlns:a16="http://schemas.microsoft.com/office/drawing/2014/main" id="{2DE70EFE-3A0B-4C06-8CCD-139ED3B4B0A6}"/>
+              </a:ext>
+            </a:extLst>
+          </p:cNvPr>
+          <p:cNvSpPr>
+            <a:spLocks noGrp="1"/>
+          </p:cNvSpPr>
+          <p:nvPr>
+            <p:ph type="sldNum" sz="quarter" idx="12"/>
+          </p:nvPr>
+        </p:nvSpPr>
+        <p:spPr/>
+        <p:txBody>
+          <a:bodyPr/>
+          <a:lstStyle/>
+          <a:p>
+            <a:fld id="{7B972D3E-A231-406B-99A6-A96EDF746ACB}" type="slidenum">
+              <a:rPr lang="ru-RU" smtClean="0"/>
+              <a:t>11</a:t>
+            </a:fld>
+            <a:endParaRPr lang="ru-RU"/>
+          </a:p>
+        </p:txBody>
+      </p:sp>
     </p:spTree>
     <p:extLst>
       <p:ext uri="{BB962C8B-B14F-4D97-AF65-F5344CB8AC3E}">
@@ -4018,6 +4469,35 @@
               <a:t>Дякую за увагу </a:t>
             </a:r>
             <a:endParaRPr lang="ru-RU" b="1"/>
+          </a:p>
+        </p:txBody>
+      </p:sp>
+      <p:sp>
+        <p:nvSpPr>
+          <p:cNvPr id="4" name="Номер слайда 3">
+            <a:extLst>
+              <a:ext uri="{FF2B5EF4-FFF2-40B4-BE49-F238E27FC236}">
+                <a16:creationId xmlns:a16="http://schemas.microsoft.com/office/drawing/2014/main" id="{3705DC2F-1CF9-43D2-9A41-63D4C0749420}"/>
+              </a:ext>
+            </a:extLst>
+          </p:cNvPr>
+          <p:cNvSpPr>
+            <a:spLocks noGrp="1"/>
+          </p:cNvSpPr>
+          <p:nvPr>
+            <p:ph type="sldNum" sz="quarter" idx="12"/>
+          </p:nvPr>
+        </p:nvSpPr>
+        <p:spPr/>
+        <p:txBody>
+          <a:bodyPr/>
+          <a:lstStyle/>
+          <a:p>
+            <a:fld id="{7B972D3E-A231-406B-99A6-A96EDF746ACB}" type="slidenum">
+              <a:rPr lang="ru-RU" smtClean="0"/>
+              <a:t>12</a:t>
+            </a:fld>
+            <a:endParaRPr lang="ru-RU"/>
           </a:p>
         </p:txBody>
       </p:sp>
@@ -4087,6 +4567,35 @@
           </a:prstGeom>
         </p:spPr>
       </p:pic>
+      <p:sp>
+        <p:nvSpPr>
+          <p:cNvPr id="3" name="Номер слайда 2">
+            <a:extLst>
+              <a:ext uri="{FF2B5EF4-FFF2-40B4-BE49-F238E27FC236}">
+                <a16:creationId xmlns:a16="http://schemas.microsoft.com/office/drawing/2014/main" id="{9DBAE8C9-5AC1-40E6-97AD-D4AE99F6FEA8}"/>
+              </a:ext>
+            </a:extLst>
+          </p:cNvPr>
+          <p:cNvSpPr>
+            <a:spLocks noGrp="1"/>
+          </p:cNvSpPr>
+          <p:nvPr>
+            <p:ph type="sldNum" sz="quarter" idx="12"/>
+          </p:nvPr>
+        </p:nvSpPr>
+        <p:spPr/>
+        <p:txBody>
+          <a:bodyPr/>
+          <a:lstStyle/>
+          <a:p>
+            <a:fld id="{7B972D3E-A231-406B-99A6-A96EDF746ACB}" type="slidenum">
+              <a:rPr lang="ru-RU" smtClean="0"/>
+              <a:t>13</a:t>
+            </a:fld>
+            <a:endParaRPr lang="ru-RU"/>
+          </a:p>
+        </p:txBody>
+      </p:sp>
     </p:spTree>
     <p:extLst>
       <p:ext uri="{BB962C8B-B14F-4D97-AF65-F5344CB8AC3E}">
@@ -4147,6 +4656,35 @@
           </a:prstGeom>
         </p:spPr>
       </p:pic>
+      <p:sp>
+        <p:nvSpPr>
+          <p:cNvPr id="3" name="Номер слайда 2">
+            <a:extLst>
+              <a:ext uri="{FF2B5EF4-FFF2-40B4-BE49-F238E27FC236}">
+                <a16:creationId xmlns:a16="http://schemas.microsoft.com/office/drawing/2014/main" id="{68E5C09E-0213-470D-9BF1-1A4F33B195DB}"/>
+              </a:ext>
+            </a:extLst>
+          </p:cNvPr>
+          <p:cNvSpPr>
+            <a:spLocks noGrp="1"/>
+          </p:cNvSpPr>
+          <p:nvPr>
+            <p:ph type="sldNum" sz="quarter" idx="12"/>
+          </p:nvPr>
+        </p:nvSpPr>
+        <p:spPr/>
+        <p:txBody>
+          <a:bodyPr/>
+          <a:lstStyle/>
+          <a:p>
+            <a:fld id="{7B972D3E-A231-406B-99A6-A96EDF746ACB}" type="slidenum">
+              <a:rPr lang="ru-RU" smtClean="0"/>
+              <a:t>14</a:t>
+            </a:fld>
+            <a:endParaRPr lang="ru-RU"/>
+          </a:p>
+        </p:txBody>
+      </p:sp>
     </p:spTree>
     <p:extLst>
       <p:ext uri="{BB962C8B-B14F-4D97-AF65-F5344CB8AC3E}">
@@ -4207,6 +4745,35 @@
           </a:prstGeom>
         </p:spPr>
       </p:pic>
+      <p:sp>
+        <p:nvSpPr>
+          <p:cNvPr id="3" name="Номер слайда 2">
+            <a:extLst>
+              <a:ext uri="{FF2B5EF4-FFF2-40B4-BE49-F238E27FC236}">
+                <a16:creationId xmlns:a16="http://schemas.microsoft.com/office/drawing/2014/main" id="{0830E25C-5D19-4FD8-B8D4-8128F4B87764}"/>
+              </a:ext>
+            </a:extLst>
+          </p:cNvPr>
+          <p:cNvSpPr>
+            <a:spLocks noGrp="1"/>
+          </p:cNvSpPr>
+          <p:nvPr>
+            <p:ph type="sldNum" sz="quarter" idx="12"/>
+          </p:nvPr>
+        </p:nvSpPr>
+        <p:spPr/>
+        <p:txBody>
+          <a:bodyPr/>
+          <a:lstStyle/>
+          <a:p>
+            <a:fld id="{7B972D3E-A231-406B-99A6-A96EDF746ACB}" type="slidenum">
+              <a:rPr lang="ru-RU" smtClean="0"/>
+              <a:t>15</a:t>
+            </a:fld>
+            <a:endParaRPr lang="ru-RU"/>
+          </a:p>
+        </p:txBody>
+      </p:sp>
     </p:spTree>
     <p:extLst>
       <p:ext uri="{BB962C8B-B14F-4D97-AF65-F5344CB8AC3E}">
@@ -4267,6 +4834,35 @@
           </a:prstGeom>
         </p:spPr>
       </p:pic>
+      <p:sp>
+        <p:nvSpPr>
+          <p:cNvPr id="3" name="Номер слайда 2">
+            <a:extLst>
+              <a:ext uri="{FF2B5EF4-FFF2-40B4-BE49-F238E27FC236}">
+                <a16:creationId xmlns:a16="http://schemas.microsoft.com/office/drawing/2014/main" id="{4CE86453-E6DD-4DB7-B0D4-B276B613103B}"/>
+              </a:ext>
+            </a:extLst>
+          </p:cNvPr>
+          <p:cNvSpPr>
+            <a:spLocks noGrp="1"/>
+          </p:cNvSpPr>
+          <p:nvPr>
+            <p:ph type="sldNum" sz="quarter" idx="12"/>
+          </p:nvPr>
+        </p:nvSpPr>
+        <p:spPr/>
+        <p:txBody>
+          <a:bodyPr/>
+          <a:lstStyle/>
+          <a:p>
+            <a:fld id="{7B972D3E-A231-406B-99A6-A96EDF746ACB}" type="slidenum">
+              <a:rPr lang="ru-RU" smtClean="0"/>
+              <a:t>16</a:t>
+            </a:fld>
+            <a:endParaRPr lang="ru-RU"/>
+          </a:p>
+        </p:txBody>
+      </p:sp>
     </p:spTree>
     <p:extLst>
       <p:ext uri="{BB962C8B-B14F-4D97-AF65-F5344CB8AC3E}">
@@ -4478,6 +5074,35 @@
           </a:p>
         </p:txBody>
       </p:sp>
+      <p:sp>
+        <p:nvSpPr>
+          <p:cNvPr id="5" name="Номер слайда 4">
+            <a:extLst>
+              <a:ext uri="{FF2B5EF4-FFF2-40B4-BE49-F238E27FC236}">
+                <a16:creationId xmlns:a16="http://schemas.microsoft.com/office/drawing/2014/main" id="{006A293F-9783-49F5-AA08-F07EAEF94182}"/>
+              </a:ext>
+            </a:extLst>
+          </p:cNvPr>
+          <p:cNvSpPr>
+            <a:spLocks noGrp="1"/>
+          </p:cNvSpPr>
+          <p:nvPr>
+            <p:ph type="sldNum" sz="quarter" idx="12"/>
+          </p:nvPr>
+        </p:nvSpPr>
+        <p:spPr/>
+        <p:txBody>
+          <a:bodyPr/>
+          <a:lstStyle/>
+          <a:p>
+            <a:fld id="{7B972D3E-A231-406B-99A6-A96EDF746ACB}" type="slidenum">
+              <a:rPr lang="ru-RU" smtClean="0"/>
+              <a:t>2</a:t>
+            </a:fld>
+            <a:endParaRPr lang="ru-RU"/>
+          </a:p>
+        </p:txBody>
+      </p:sp>
     </p:spTree>
     <p:extLst>
       <p:ext uri="{BB962C8B-B14F-4D97-AF65-F5344CB8AC3E}">
@@ -4561,49 +5186,41 @@
           <a:lstStyle/>
           <a:p>
             <a:r>
-              <a:rPr lang="uk-UA"/>
-              <a:t>Створити геометрію моделі </a:t>
-            </a:r>
-            <a:r>
-              <a:rPr lang="uk-UA" err="1"/>
-              <a:t>нейтронно</a:t>
-            </a:r>
-            <a:r>
-              <a:rPr lang="uk-UA"/>
-              <a:t>-активаційного аналізу для проведення підводного дослідження </a:t>
-            </a:r>
-            <a:endParaRPr lang="uk-UA">
+              <a:rPr lang="uk-UA" dirty="0"/>
+              <a:t>Створити геометрію моделі нейтронно-активаційного аналізу для проведення підводного дослідження </a:t>
+            </a:r>
+            <a:endParaRPr lang="uk-UA" dirty="0">
               <a:cs typeface="Calibri"/>
             </a:endParaRPr>
           </a:p>
           <a:p>
             <a:r>
-              <a:rPr lang="uk-UA"/>
+              <a:rPr lang="uk-UA" dirty="0"/>
               <a:t>Зробити перевірку коректності (провести </a:t>
             </a:r>
             <a:r>
-              <a:rPr lang="uk-UA" err="1"/>
+              <a:rPr lang="uk-UA" dirty="0" err="1"/>
               <a:t>валідацію</a:t>
             </a:r>
             <a:r>
-              <a:rPr lang="uk-UA"/>
+              <a:rPr lang="uk-UA" dirty="0"/>
               <a:t>) на спектрі                   (Гірчичного газу)</a:t>
             </a:r>
           </a:p>
           <a:p>
             <a:r>
-              <a:rPr lang="uk-UA"/>
+              <a:rPr lang="uk-UA" dirty="0"/>
               <a:t>Оцінити мінімальну </a:t>
             </a:r>
             <a:r>
-              <a:rPr lang="uk-UA" err="1"/>
+              <a:rPr lang="uk-UA" dirty="0" err="1"/>
               <a:t>детектовану</a:t>
             </a:r>
             <a:r>
-              <a:rPr lang="uk-UA"/>
+              <a:rPr lang="uk-UA" dirty="0"/>
               <a:t> масу досліджуваного елементу </a:t>
             </a:r>
-            <a:endParaRPr lang="ru-RU"/>
+            <a:endParaRPr lang="ru-RU" dirty="0"/>
           </a:p>
         </p:txBody>
       </p:sp>
@@ -4637,6 +5254,35 @@
           </a:prstGeom>
         </p:spPr>
       </p:pic>
+      <p:sp>
+        <p:nvSpPr>
+          <p:cNvPr id="5" name="Номер слайда 4">
+            <a:extLst>
+              <a:ext uri="{FF2B5EF4-FFF2-40B4-BE49-F238E27FC236}">
+                <a16:creationId xmlns:a16="http://schemas.microsoft.com/office/drawing/2014/main" id="{F696942C-AF28-4197-8EC6-D82FC289ECCC}"/>
+              </a:ext>
+            </a:extLst>
+          </p:cNvPr>
+          <p:cNvSpPr>
+            <a:spLocks noGrp="1"/>
+          </p:cNvSpPr>
+          <p:nvPr>
+            <p:ph type="sldNum" sz="quarter" idx="12"/>
+          </p:nvPr>
+        </p:nvSpPr>
+        <p:spPr/>
+        <p:txBody>
+          <a:bodyPr/>
+          <a:lstStyle/>
+          <a:p>
+            <a:fld id="{7B972D3E-A231-406B-99A6-A96EDF746ACB}" type="slidenum">
+              <a:rPr lang="ru-RU" smtClean="0"/>
+              <a:t>3</a:t>
+            </a:fld>
+            <a:endParaRPr lang="ru-RU"/>
+          </a:p>
+        </p:txBody>
+      </p:sp>
     </p:spTree>
     <p:extLst>
       <p:ext uri="{BB962C8B-B14F-4D97-AF65-F5344CB8AC3E}">
@@ -4874,6 +5520,35 @@
               <a:t> </a:t>
             </a:r>
             <a:endParaRPr lang="en-US"/>
+          </a:p>
+        </p:txBody>
+      </p:sp>
+      <p:sp>
+        <p:nvSpPr>
+          <p:cNvPr id="6" name="Номер слайда 5">
+            <a:extLst>
+              <a:ext uri="{FF2B5EF4-FFF2-40B4-BE49-F238E27FC236}">
+                <a16:creationId xmlns:a16="http://schemas.microsoft.com/office/drawing/2014/main" id="{3D90A4D6-4A5C-4F40-A9DF-671ACA19E4D5}"/>
+              </a:ext>
+            </a:extLst>
+          </p:cNvPr>
+          <p:cNvSpPr>
+            <a:spLocks noGrp="1"/>
+          </p:cNvSpPr>
+          <p:nvPr>
+            <p:ph type="sldNum" sz="quarter" idx="12"/>
+          </p:nvPr>
+        </p:nvSpPr>
+        <p:spPr/>
+        <p:txBody>
+          <a:bodyPr/>
+          <a:lstStyle/>
+          <a:p>
+            <a:fld id="{7B972D3E-A231-406B-99A6-A96EDF746ACB}" type="slidenum">
+              <a:rPr lang="ru-RU" smtClean="0"/>
+              <a:t>4</a:t>
+            </a:fld>
+            <a:endParaRPr lang="ru-RU"/>
           </a:p>
         </p:txBody>
       </p:sp>
@@ -5083,19 +5758,19 @@
               <a:lstStyle/>
               <a:p>
                 <a:r>
-                  <a:rPr lang="uk-UA"/>
+                  <a:rPr lang="uk-UA" dirty="0"/>
                   <a:t>0 – повітря, 1 – </a:t>
                 </a:r>
                 <a:r>
-                  <a:rPr lang="en-US"/>
+                  <a:rPr lang="en-US" dirty="0"/>
                   <a:t>Al (2 </a:t>
                 </a:r>
                 <a:r>
-                  <a:rPr lang="uk-UA"/>
+                  <a:rPr lang="uk-UA" dirty="0"/>
                   <a:t>см</a:t>
                 </a:r>
                 <a:r>
-                  <a:rPr lang="en-US"/>
+                  <a:rPr lang="en-US" dirty="0"/>
                   <a:t>), 2 - </a:t>
                 </a:r>
                 <a14:m>
@@ -5148,15 +5823,15 @@
                   </m:oMath>
                 </a14:m>
                 <a:r>
-                  <a:rPr lang="en-US" b="0"/>
+                  <a:rPr lang="en-US" b="0" dirty="0"/>
                   <a:t>3 – Pb (</a:t>
                 </a:r>
                 <a:r>
-                  <a:rPr lang="uk-UA" b="0"/>
+                  <a:rPr lang="uk-UA" b="0" dirty="0"/>
                   <a:t>1 см</a:t>
                 </a:r>
                 <a:r>
-                  <a:rPr lang="en-US" b="0"/>
+                  <a:rPr lang="en-US" b="0" dirty="0"/>
                   <a:t>)</a:t>
                 </a:r>
               </a:p>
@@ -5208,36 +5883,35 @@
           </p:sp>
         </mc:Fallback>
       </mc:AlternateContent>
-      <p:pic>
-        <p:nvPicPr>
-          <p:cNvPr id="3" name="Picture 3" descr="A picture containing table, stool, drawing&#10;&#10;Description generated with very high confidence">
-            <a:extLst>
-              <a:ext uri="{FF2B5EF4-FFF2-40B4-BE49-F238E27FC236}">
-                <a16:creationId xmlns:a16="http://schemas.microsoft.com/office/drawing/2014/main" id="{5E662B57-243A-40BE-A3B0-D2C031A5CB39}"/>
-              </a:ext>
-            </a:extLst>
-          </p:cNvPr>
-          <p:cNvPicPr>
-            <a:picLocks noChangeAspect="1"/>
-          </p:cNvPicPr>
-          <p:nvPr/>
-        </p:nvPicPr>
-        <p:blipFill>
-          <a:blip r:embed="rId5"/>
-          <a:stretch>
-            <a:fillRect/>
-          </a:stretch>
-        </p:blipFill>
-        <p:spPr>
-          <a:xfrm>
-            <a:off x="10296641" y="5571195"/>
-            <a:ext cx="343133" cy="315487"/>
-          </a:xfrm>
-          <a:prstGeom prst="rect">
-            <a:avLst/>
-          </a:prstGeom>
-        </p:spPr>
-      </p:pic>
+      <p:sp>
+        <p:nvSpPr>
+          <p:cNvPr id="6" name="Номер слайда 5">
+            <a:extLst>
+              <a:ext uri="{FF2B5EF4-FFF2-40B4-BE49-F238E27FC236}">
+                <a16:creationId xmlns:a16="http://schemas.microsoft.com/office/drawing/2014/main" id="{AA6E427B-2A12-472C-95F9-0A4CA13E0446}"/>
+              </a:ext>
+            </a:extLst>
+          </p:cNvPr>
+          <p:cNvSpPr>
+            <a:spLocks noGrp="1"/>
+          </p:cNvSpPr>
+          <p:nvPr>
+            <p:ph type="sldNum" sz="quarter" idx="12"/>
+          </p:nvPr>
+        </p:nvSpPr>
+        <p:spPr/>
+        <p:txBody>
+          <a:bodyPr/>
+          <a:lstStyle/>
+          <a:p>
+            <a:fld id="{7B972D3E-A231-406B-99A6-A96EDF746ACB}" type="slidenum">
+              <a:rPr lang="ru-RU" smtClean="0"/>
+              <a:t>5</a:t>
+            </a:fld>
+            <a:endParaRPr lang="ru-RU"/>
+          </a:p>
+        </p:txBody>
+      </p:sp>
     </p:spTree>
     <p:extLst>
       <p:ext uri="{BB962C8B-B14F-4D97-AF65-F5344CB8AC3E}">
@@ -5535,8 +6209,8 @@
           </a:p>
         </p:txBody>
       </p:sp>
-      <mc:AlternateContent xmlns:mc="http://schemas.openxmlformats.org/markup-compatibility/2006">
-        <mc:Choice xmlns:a14="http://schemas.microsoft.com/office/drawing/2010/main" Requires="a14">
+      <mc:AlternateContent xmlns:mc="http://schemas.openxmlformats.org/markup-compatibility/2006" xmlns:a14="http://schemas.microsoft.com/office/drawing/2010/main">
+        <mc:Choice Requires="a14">
           <p:sp>
             <p:nvSpPr>
               <p:cNvPr id="5" name="Объект 2">
@@ -5848,7 +6522,7 @@
             </p:txBody>
           </p:sp>
         </mc:Choice>
-        <mc:Fallback>
+        <mc:Fallback xmlns="">
           <p:sp>
             <p:nvSpPr>
               <p:cNvPr id="5" name="Объект 2">
@@ -5893,36 +6567,35 @@
           </p:sp>
         </mc:Fallback>
       </mc:AlternateContent>
-      <p:pic>
-        <p:nvPicPr>
-          <p:cNvPr id="6" name="Picture 6" descr="A picture containing table, stool, drawing&#10;&#10;Description generated with very high confidence">
-            <a:extLst>
-              <a:ext uri="{FF2B5EF4-FFF2-40B4-BE49-F238E27FC236}">
-                <a16:creationId xmlns:a16="http://schemas.microsoft.com/office/drawing/2014/main" id="{06205029-43A9-442E-BFD4-179BE4EE34E0}"/>
-              </a:ext>
-            </a:extLst>
-          </p:cNvPr>
-          <p:cNvPicPr>
-            <a:picLocks noChangeAspect="1"/>
-          </p:cNvPicPr>
-          <p:nvPr/>
-        </p:nvPicPr>
-        <p:blipFill>
-          <a:blip r:embed="rId4"/>
-          <a:stretch>
-            <a:fillRect/>
-          </a:stretch>
-        </p:blipFill>
-        <p:spPr>
-          <a:xfrm>
-            <a:off x="7360154" y="2337341"/>
-            <a:ext cx="482523" cy="454876"/>
-          </a:xfrm>
-          <a:prstGeom prst="rect">
-            <a:avLst/>
-          </a:prstGeom>
-        </p:spPr>
-      </p:pic>
+      <p:sp>
+        <p:nvSpPr>
+          <p:cNvPr id="8" name="Номер слайда 7">
+            <a:extLst>
+              <a:ext uri="{FF2B5EF4-FFF2-40B4-BE49-F238E27FC236}">
+                <a16:creationId xmlns:a16="http://schemas.microsoft.com/office/drawing/2014/main" id="{28A9EBD9-3E04-4AFA-943F-764AE3DE7928}"/>
+              </a:ext>
+            </a:extLst>
+          </p:cNvPr>
+          <p:cNvSpPr>
+            <a:spLocks noGrp="1"/>
+          </p:cNvSpPr>
+          <p:nvPr>
+            <p:ph type="sldNum" sz="quarter" idx="12"/>
+          </p:nvPr>
+        </p:nvSpPr>
+        <p:spPr/>
+        <p:txBody>
+          <a:bodyPr/>
+          <a:lstStyle/>
+          <a:p>
+            <a:fld id="{7B972D3E-A231-406B-99A6-A96EDF746ACB}" type="slidenum">
+              <a:rPr lang="ru-RU" smtClean="0"/>
+              <a:t>6</a:t>
+            </a:fld>
+            <a:endParaRPr lang="ru-RU"/>
+          </a:p>
+        </p:txBody>
+      </p:sp>
     </p:spTree>
     <p:extLst>
       <p:ext uri="{BB962C8B-B14F-4D97-AF65-F5344CB8AC3E}">
@@ -6015,6 +6688,35 @@
           </a:prstGeom>
         </p:spPr>
       </p:pic>
+      <p:sp>
+        <p:nvSpPr>
+          <p:cNvPr id="4" name="Номер слайда 3">
+            <a:extLst>
+              <a:ext uri="{FF2B5EF4-FFF2-40B4-BE49-F238E27FC236}">
+                <a16:creationId xmlns:a16="http://schemas.microsoft.com/office/drawing/2014/main" id="{1E3A455C-9914-4E9F-95B5-0E94BCAA715B}"/>
+              </a:ext>
+            </a:extLst>
+          </p:cNvPr>
+          <p:cNvSpPr>
+            <a:spLocks noGrp="1"/>
+          </p:cNvSpPr>
+          <p:nvPr>
+            <p:ph type="sldNum" sz="quarter" idx="12"/>
+          </p:nvPr>
+        </p:nvSpPr>
+        <p:spPr/>
+        <p:txBody>
+          <a:bodyPr/>
+          <a:lstStyle/>
+          <a:p>
+            <a:fld id="{7B972D3E-A231-406B-99A6-A96EDF746ACB}" type="slidenum">
+              <a:rPr lang="ru-RU" smtClean="0"/>
+              <a:t>7</a:t>
+            </a:fld>
+            <a:endParaRPr lang="ru-RU"/>
+          </a:p>
+        </p:txBody>
+      </p:sp>
     </p:spTree>
     <p:extLst>
       <p:ext uri="{BB962C8B-B14F-4D97-AF65-F5344CB8AC3E}">
@@ -6280,6 +6982,35 @@
           </a:p>
         </p:txBody>
       </p:sp>
+      <p:sp>
+        <p:nvSpPr>
+          <p:cNvPr id="9" name="Номер слайда 8">
+            <a:extLst>
+              <a:ext uri="{FF2B5EF4-FFF2-40B4-BE49-F238E27FC236}">
+                <a16:creationId xmlns:a16="http://schemas.microsoft.com/office/drawing/2014/main" id="{89C4CD87-C27F-4411-937B-B9138C66628A}"/>
+              </a:ext>
+            </a:extLst>
+          </p:cNvPr>
+          <p:cNvSpPr>
+            <a:spLocks noGrp="1"/>
+          </p:cNvSpPr>
+          <p:nvPr>
+            <p:ph type="sldNum" sz="quarter" idx="12"/>
+          </p:nvPr>
+        </p:nvSpPr>
+        <p:spPr/>
+        <p:txBody>
+          <a:bodyPr/>
+          <a:lstStyle/>
+          <a:p>
+            <a:fld id="{7B972D3E-A231-406B-99A6-A96EDF746ACB}" type="slidenum">
+              <a:rPr lang="ru-RU" smtClean="0"/>
+              <a:t>8</a:t>
+            </a:fld>
+            <a:endParaRPr lang="ru-RU"/>
+          </a:p>
+        </p:txBody>
+      </p:sp>
     </p:spTree>
     <p:extLst>
       <p:ext uri="{BB962C8B-B14F-4D97-AF65-F5344CB8AC3E}">
@@ -6381,6 +7112,35 @@
           </a:xfrm>
         </p:spPr>
       </p:pic>
+      <p:sp>
+        <p:nvSpPr>
+          <p:cNvPr id="4" name="Номер слайда 3">
+            <a:extLst>
+              <a:ext uri="{FF2B5EF4-FFF2-40B4-BE49-F238E27FC236}">
+                <a16:creationId xmlns:a16="http://schemas.microsoft.com/office/drawing/2014/main" id="{06AFCD3F-B81A-43BC-9451-8DB55BAED530}"/>
+              </a:ext>
+            </a:extLst>
+          </p:cNvPr>
+          <p:cNvSpPr>
+            <a:spLocks noGrp="1"/>
+          </p:cNvSpPr>
+          <p:nvPr>
+            <p:ph type="sldNum" sz="quarter" idx="12"/>
+          </p:nvPr>
+        </p:nvSpPr>
+        <p:spPr/>
+        <p:txBody>
+          <a:bodyPr/>
+          <a:lstStyle/>
+          <a:p>
+            <a:fld id="{7B972D3E-A231-406B-99A6-A96EDF746ACB}" type="slidenum">
+              <a:rPr lang="ru-RU" smtClean="0"/>
+              <a:t>9</a:t>
+            </a:fld>
+            <a:endParaRPr lang="ru-RU"/>
+          </a:p>
+        </p:txBody>
+      </p:sp>
     </p:spTree>
     <p:extLst>
       <p:ext uri="{BB962C8B-B14F-4D97-AF65-F5344CB8AC3E}">
@@ -6687,4 +7447,299 @@
     </a:ext>
   </a:extLst>
 </a:theme>
+</file>
+
+<file path=ppt/theme/theme2.xml><?xml version="1.0" encoding="utf-8"?>
+<a:theme xmlns:a="http://schemas.openxmlformats.org/drawingml/2006/main" name="Тема Office">
+  <a:themeElements>
+    <a:clrScheme name="Стандартная">
+      <a:dk1>
+        <a:sysClr val="windowText" lastClr="000000"/>
+      </a:dk1>
+      <a:lt1>
+        <a:sysClr val="window" lastClr="FFFFFF"/>
+      </a:lt1>
+      <a:dk2>
+        <a:srgbClr val="44546A"/>
+      </a:dk2>
+      <a:lt2>
+        <a:srgbClr val="E7E6E6"/>
+      </a:lt2>
+      <a:accent1>
+        <a:srgbClr val="4472C4"/>
+      </a:accent1>
+      <a:accent2>
+        <a:srgbClr val="ED7D31"/>
+      </a:accent2>
+      <a:accent3>
+        <a:srgbClr val="A5A5A5"/>
+      </a:accent3>
+      <a:accent4>
+        <a:srgbClr val="FFC000"/>
+      </a:accent4>
+      <a:accent5>
+        <a:srgbClr val="5B9BD5"/>
+      </a:accent5>
+      <a:accent6>
+        <a:srgbClr val="70AD47"/>
+      </a:accent6>
+      <a:hlink>
+        <a:srgbClr val="0563C1"/>
+      </a:hlink>
+      <a:folHlink>
+        <a:srgbClr val="954F72"/>
+      </a:folHlink>
+    </a:clrScheme>
+    <a:fontScheme name="Стандартная">
+      <a:majorFont>
+        <a:latin typeface="Calibri Light" panose="020F0302020204030204"/>
+        <a:ea typeface=""/>
+        <a:cs typeface=""/>
+        <a:font script="Jpan" typeface="游ゴシック Light"/>
+        <a:font script="Hang" typeface="맑은 고딕"/>
+        <a:font script="Hans" typeface="等线 Light"/>
+        <a:font script="Hant" typeface="新細明體"/>
+        <a:font script="Arab" typeface="Times New Roman"/>
+        <a:font script="Hebr" typeface="Times New Roman"/>
+        <a:font script="Thai" typeface="Angsana New"/>
+        <a:font script="Ethi" typeface="Nyala"/>
+        <a:font script="Beng" typeface="Vrinda"/>
+        <a:font script="Gujr" typeface="Shruti"/>
+        <a:font script="Khmr" typeface="MoolBoran"/>
+        <a:font script="Knda" typeface="Tunga"/>
+        <a:font script="Guru" typeface="Raavi"/>
+        <a:font script="Cans" typeface="Euphemia"/>
+        <a:font script="Cher" typeface="Plantagenet Cherokee"/>
+        <a:font script="Yiii" typeface="Microsoft Yi Baiti"/>
+        <a:font script="Tibt" typeface="Microsoft Himalaya"/>
+        <a:font script="Thaa" typeface="MV Boli"/>
+        <a:font script="Deva" typeface="Mangal"/>
+        <a:font script="Telu" typeface="Gautami"/>
+        <a:font script="Taml" typeface="Latha"/>
+        <a:font script="Syrc" typeface="Estrangelo Edessa"/>
+        <a:font script="Orya" typeface="Kalinga"/>
+        <a:font script="Mlym" typeface="Kartika"/>
+        <a:font script="Laoo" typeface="DokChampa"/>
+        <a:font script="Sinh" typeface="Iskoola Pota"/>
+        <a:font script="Mong" typeface="Mongolian Baiti"/>
+        <a:font script="Viet" typeface="Times New Roman"/>
+        <a:font script="Uigh" typeface="Microsoft Uighur"/>
+        <a:font script="Geor" typeface="Sylfaen"/>
+        <a:font script="Armn" typeface="Arial"/>
+        <a:font script="Bugi" typeface="Leelawadee UI"/>
+        <a:font script="Bopo" typeface="Microsoft JhengHei"/>
+        <a:font script="Java" typeface="Javanese Text"/>
+        <a:font script="Lisu" typeface="Segoe UI"/>
+        <a:font script="Mymr" typeface="Myanmar Text"/>
+        <a:font script="Nkoo" typeface="Ebrima"/>
+        <a:font script="Olck" typeface="Nirmala UI"/>
+        <a:font script="Osma" typeface="Ebrima"/>
+        <a:font script="Phag" typeface="Phagspa"/>
+        <a:font script="Syrn" typeface="Estrangelo Edessa"/>
+        <a:font script="Syrj" typeface="Estrangelo Edessa"/>
+        <a:font script="Syre" typeface="Estrangelo Edessa"/>
+        <a:font script="Sora" typeface="Nirmala UI"/>
+        <a:font script="Tale" typeface="Microsoft Tai Le"/>
+        <a:font script="Talu" typeface="Microsoft New Tai Lue"/>
+        <a:font script="Tfng" typeface="Ebrima"/>
+      </a:majorFont>
+      <a:minorFont>
+        <a:latin typeface="Calibri" panose="020F0502020204030204"/>
+        <a:ea typeface=""/>
+        <a:cs typeface=""/>
+        <a:font script="Jpan" typeface="游ゴシック"/>
+        <a:font script="Hang" typeface="맑은 고딕"/>
+        <a:font script="Hans" typeface="等线"/>
+        <a:font script="Hant" typeface="新細明體"/>
+        <a:font script="Arab" typeface="Arial"/>
+        <a:font script="Hebr" typeface="Arial"/>
+        <a:font script="Thai" typeface="Cordia New"/>
+        <a:font script="Ethi" typeface="Nyala"/>
+        <a:font script="Beng" typeface="Vrinda"/>
+        <a:font script="Gujr" typeface="Shruti"/>
+        <a:font script="Khmr" typeface="DaunPenh"/>
+        <a:font script="Knda" typeface="Tunga"/>
+        <a:font script="Guru" typeface="Raavi"/>
+        <a:font script="Cans" typeface="Euphemia"/>
+        <a:font script="Cher" typeface="Plantagenet Cherokee"/>
+        <a:font script="Yiii" typeface="Microsoft Yi Baiti"/>
+        <a:font script="Tibt" typeface="Microsoft Himalaya"/>
+        <a:font script="Thaa" typeface="MV Boli"/>
+        <a:font script="Deva" typeface="Mangal"/>
+        <a:font script="Telu" typeface="Gautami"/>
+        <a:font script="Taml" typeface="Latha"/>
+        <a:font script="Syrc" typeface="Estrangelo Edessa"/>
+        <a:font script="Orya" typeface="Kalinga"/>
+        <a:font script="Mlym" typeface="Kartika"/>
+        <a:font script="Laoo" typeface="DokChampa"/>
+        <a:font script="Sinh" typeface="Iskoola Pota"/>
+        <a:font script="Mong" typeface="Mongolian Baiti"/>
+        <a:font script="Viet" typeface="Arial"/>
+        <a:font script="Uigh" typeface="Microsoft Uighur"/>
+        <a:font script="Geor" typeface="Sylfaen"/>
+        <a:font script="Armn" typeface="Arial"/>
+        <a:font script="Bugi" typeface="Leelawadee UI"/>
+        <a:font script="Bopo" typeface="Microsoft JhengHei"/>
+        <a:font script="Java" typeface="Javanese Text"/>
+        <a:font script="Lisu" typeface="Segoe UI"/>
+        <a:font script="Mymr" typeface="Myanmar Text"/>
+        <a:font script="Nkoo" typeface="Ebrima"/>
+        <a:font script="Olck" typeface="Nirmala UI"/>
+        <a:font script="Osma" typeface="Ebrima"/>
+        <a:font script="Phag" typeface="Phagspa"/>
+        <a:font script="Syrn" typeface="Estrangelo Edessa"/>
+        <a:font script="Syrj" typeface="Estrangelo Edessa"/>
+        <a:font script="Syre" typeface="Estrangelo Edessa"/>
+        <a:font script="Sora" typeface="Nirmala UI"/>
+        <a:font script="Tale" typeface="Microsoft Tai Le"/>
+        <a:font script="Talu" typeface="Microsoft New Tai Lue"/>
+        <a:font script="Tfng" typeface="Ebrima"/>
+      </a:minorFont>
+    </a:fontScheme>
+    <a:fmtScheme name="Стандартная">
+      <a:fillStyleLst>
+        <a:solidFill>
+          <a:schemeClr val="phClr"/>
+        </a:solidFill>
+        <a:gradFill rotWithShape="1">
+          <a:gsLst>
+            <a:gs pos="0">
+              <a:schemeClr val="phClr">
+                <a:lumMod val="110000"/>
+                <a:satMod val="105000"/>
+                <a:tint val="67000"/>
+              </a:schemeClr>
+            </a:gs>
+            <a:gs pos="50000">
+              <a:schemeClr val="phClr">
+                <a:lumMod val="105000"/>
+                <a:satMod val="103000"/>
+                <a:tint val="73000"/>
+              </a:schemeClr>
+            </a:gs>
+            <a:gs pos="100000">
+              <a:schemeClr val="phClr">
+                <a:lumMod val="105000"/>
+                <a:satMod val="109000"/>
+                <a:tint val="81000"/>
+              </a:schemeClr>
+            </a:gs>
+          </a:gsLst>
+          <a:lin ang="5400000" scaled="0"/>
+        </a:gradFill>
+        <a:gradFill rotWithShape="1">
+          <a:gsLst>
+            <a:gs pos="0">
+              <a:schemeClr val="phClr">
+                <a:satMod val="103000"/>
+                <a:lumMod val="102000"/>
+                <a:tint val="94000"/>
+              </a:schemeClr>
+            </a:gs>
+            <a:gs pos="50000">
+              <a:schemeClr val="phClr">
+                <a:satMod val="110000"/>
+                <a:lumMod val="100000"/>
+                <a:shade val="100000"/>
+              </a:schemeClr>
+            </a:gs>
+            <a:gs pos="100000">
+              <a:schemeClr val="phClr">
+                <a:lumMod val="99000"/>
+                <a:satMod val="120000"/>
+                <a:shade val="78000"/>
+              </a:schemeClr>
+            </a:gs>
+          </a:gsLst>
+          <a:lin ang="5400000" scaled="0"/>
+        </a:gradFill>
+      </a:fillStyleLst>
+      <a:lnStyleLst>
+        <a:ln w="6350" cap="flat" cmpd="sng" algn="ctr">
+          <a:solidFill>
+            <a:schemeClr val="phClr"/>
+          </a:solidFill>
+          <a:prstDash val="solid"/>
+          <a:miter lim="800000"/>
+        </a:ln>
+        <a:ln w="12700" cap="flat" cmpd="sng" algn="ctr">
+          <a:solidFill>
+            <a:schemeClr val="phClr"/>
+          </a:solidFill>
+          <a:prstDash val="solid"/>
+          <a:miter lim="800000"/>
+        </a:ln>
+        <a:ln w="19050" cap="flat" cmpd="sng" algn="ctr">
+          <a:solidFill>
+            <a:schemeClr val="phClr"/>
+          </a:solidFill>
+          <a:prstDash val="solid"/>
+          <a:miter lim="800000"/>
+        </a:ln>
+      </a:lnStyleLst>
+      <a:effectStyleLst>
+        <a:effectStyle>
+          <a:effectLst/>
+        </a:effectStyle>
+        <a:effectStyle>
+          <a:effectLst/>
+        </a:effectStyle>
+        <a:effectStyle>
+          <a:effectLst>
+            <a:outerShdw blurRad="57150" dist="19050" dir="5400000" algn="ctr" rotWithShape="0">
+              <a:srgbClr val="000000">
+                <a:alpha val="63000"/>
+              </a:srgbClr>
+            </a:outerShdw>
+          </a:effectLst>
+        </a:effectStyle>
+      </a:effectStyleLst>
+      <a:bgFillStyleLst>
+        <a:solidFill>
+          <a:schemeClr val="phClr"/>
+        </a:solidFill>
+        <a:solidFill>
+          <a:schemeClr val="phClr">
+            <a:tint val="95000"/>
+            <a:satMod val="170000"/>
+          </a:schemeClr>
+        </a:solidFill>
+        <a:gradFill rotWithShape="1">
+          <a:gsLst>
+            <a:gs pos="0">
+              <a:schemeClr val="phClr">
+                <a:tint val="93000"/>
+                <a:satMod val="150000"/>
+                <a:shade val="98000"/>
+                <a:lumMod val="102000"/>
+              </a:schemeClr>
+            </a:gs>
+            <a:gs pos="50000">
+              <a:schemeClr val="phClr">
+                <a:tint val="98000"/>
+                <a:satMod val="130000"/>
+                <a:shade val="90000"/>
+                <a:lumMod val="103000"/>
+              </a:schemeClr>
+            </a:gs>
+            <a:gs pos="100000">
+              <a:schemeClr val="phClr">
+                <a:shade val="63000"/>
+                <a:satMod val="120000"/>
+              </a:schemeClr>
+            </a:gs>
+          </a:gsLst>
+          <a:lin ang="5400000" scaled="0"/>
+        </a:gradFill>
+      </a:bgFillStyleLst>
+    </a:fmtScheme>
+  </a:themeElements>
+  <a:objectDefaults/>
+  <a:extraClrSchemeLst/>
+  <a:extLst>
+    <a:ext uri="{05A4C25C-085E-4340-85A3-A5531E510DB2}">
+      <thm15:themeFamily xmlns:thm15="http://schemas.microsoft.com/office/thememl/2012/main" name="Office Theme" id="{62F939B6-93AF-4DB8-9C6B-D6C7DFDC589F}" vid="{4A3C46E8-61CC-4603-A589-7422A47A8E4A}"/>
+    </a:ext>
+  </a:extLst>
+</a:theme>
 </file>